--- a/trunk/Final Presentation/Mário/librarian.pptx
+++ b/trunk/Final Presentation/Mário/librarian.pptx
@@ -314,7 +314,7 @@
           <a:p>
             <a:fld id="{59088EAF-6ECA-4616-85EF-35AA19C641F3}" type="datetimeFigureOut">
               <a:rPr lang="pt-PT" smtClean="0"/>
-              <a:t>21/06/2013</a:t>
+              <a:t>22/06/2013</a:t>
             </a:fld>
             <a:endParaRPr lang="pt-PT" dirty="0"/>
           </a:p>
@@ -479,7 +479,7 @@
           <a:p>
             <a:fld id="{3ABD2D7A-D230-4F91-BD59-0A39C2703BA8}" type="datetimeFigureOut">
               <a:rPr lang="pt-PT" smtClean="0"/>
-              <a:t>21/06/2013</a:t>
+              <a:t>22/06/2013</a:t>
             </a:fld>
             <a:endParaRPr lang="pt-PT" dirty="0"/>
           </a:p>
@@ -1082,7 +1082,7 @@
           <a:p>
             <a:fld id="{03F41C87-7AD9-4845-A077-840E4A0F3F06}" type="datetimeFigureOut">
               <a:rPr lang="pt-PT" smtClean="0"/>
-              <a:t>21/06/2013</a:t>
+              <a:t>22/06/2013</a:t>
             </a:fld>
             <a:endParaRPr lang="pt-PT" dirty="0"/>
           </a:p>
@@ -1281,7 +1281,7 @@
           <a:p>
             <a:fld id="{03F41C87-7AD9-4845-A077-840E4A0F3F06}" type="datetimeFigureOut">
               <a:rPr lang="pt-PT" smtClean="0"/>
-              <a:t>21/06/2013</a:t>
+              <a:t>22/06/2013</a:t>
             </a:fld>
             <a:endParaRPr lang="pt-PT" dirty="0"/>
           </a:p>
@@ -1477,7 +1477,7 @@
           <a:p>
             <a:fld id="{03F41C87-7AD9-4845-A077-840E4A0F3F06}" type="datetimeFigureOut">
               <a:rPr lang="pt-PT" smtClean="0"/>
-              <a:t>21/06/2013</a:t>
+              <a:t>22/06/2013</a:t>
             </a:fld>
             <a:endParaRPr lang="pt-PT" dirty="0"/>
           </a:p>
@@ -1764,7 +1764,7 @@
           <a:p>
             <a:fld id="{03F41C87-7AD9-4845-A077-840E4A0F3F06}" type="datetimeFigureOut">
               <a:rPr lang="pt-PT" smtClean="0"/>
-              <a:t>21/06/2013</a:t>
+              <a:t>22/06/2013</a:t>
             </a:fld>
             <a:endParaRPr lang="pt-PT" dirty="0"/>
           </a:p>
@@ -2080,7 +2080,7 @@
           <a:p>
             <a:fld id="{03F41C87-7AD9-4845-A077-840E4A0F3F06}" type="datetimeFigureOut">
               <a:rPr lang="pt-PT" smtClean="0"/>
-              <a:t>21/06/2013</a:t>
+              <a:t>22/06/2013</a:t>
             </a:fld>
             <a:endParaRPr lang="pt-PT" dirty="0"/>
           </a:p>
@@ -2548,7 +2548,7 @@
           <a:p>
             <a:fld id="{03F41C87-7AD9-4845-A077-840E4A0F3F06}" type="datetimeFigureOut">
               <a:rPr lang="pt-PT" smtClean="0"/>
-              <a:t>21/06/2013</a:t>
+              <a:t>22/06/2013</a:t>
             </a:fld>
             <a:endParaRPr lang="pt-PT" dirty="0"/>
           </a:p>
@@ -2685,7 +2685,7 @@
           <a:p>
             <a:fld id="{03F41C87-7AD9-4845-A077-840E4A0F3F06}" type="datetimeFigureOut">
               <a:rPr lang="pt-PT" smtClean="0"/>
-              <a:t>21/06/2013</a:t>
+              <a:t>22/06/2013</a:t>
             </a:fld>
             <a:endParaRPr lang="pt-PT" dirty="0"/>
           </a:p>
@@ -2807,7 +2807,7 @@
           <a:p>
             <a:fld id="{03F41C87-7AD9-4845-A077-840E4A0F3F06}" type="datetimeFigureOut">
               <a:rPr lang="pt-PT" smtClean="0"/>
-              <a:t>21/06/2013</a:t>
+              <a:t>22/06/2013</a:t>
             </a:fld>
             <a:endParaRPr lang="pt-PT" dirty="0"/>
           </a:p>
@@ -3136,7 +3136,7 @@
           <a:p>
             <a:fld id="{03F41C87-7AD9-4845-A077-840E4A0F3F06}" type="datetimeFigureOut">
               <a:rPr lang="pt-PT" smtClean="0"/>
-              <a:t>21/06/2013</a:t>
+              <a:t>22/06/2013</a:t>
             </a:fld>
             <a:endParaRPr lang="pt-PT" dirty="0"/>
           </a:p>
@@ -3455,7 +3455,7 @@
             <a:fld id="{03F41C87-7AD9-4845-A077-840E4A0F3F06}" type="datetimeFigureOut">
               <a:rPr lang="pt-PT" smtClean="0"/>
               <a:pPr/>
-              <a:t>21/06/2013</a:t>
+              <a:t>22/06/2013</a:t>
             </a:fld>
             <a:endParaRPr lang="pt-PT" dirty="0"/>
           </a:p>
@@ -3698,7 +3698,7 @@
             <a:fld id="{03F41C87-7AD9-4845-A077-840E4A0F3F06}" type="datetimeFigureOut">
               <a:rPr lang="pt-PT" smtClean="0"/>
               <a:pPr/>
-              <a:t>21/06/2013</a:t>
+              <a:t>22/06/2013</a:t>
             </a:fld>
             <a:endParaRPr lang="pt-PT" dirty="0"/>
           </a:p>
@@ -4885,10 +4885,42 @@
             </a:r>
             <a:r>
               <a:rPr lang="pt-PT" dirty="0" smtClean="0"/>
+              <a:t>, </a:t>
+            </a:r>
+            <a:r>
+              <a:rPr lang="pt-PT" dirty="0" err="1"/>
+              <a:t>T</a:t>
+            </a:r>
+            <a:r>
+              <a:rPr lang="pt-PT" dirty="0" err="1" smtClean="0"/>
+              <a:t>ests</a:t>
+            </a:r>
+            <a:r>
+              <a:rPr lang="pt-PT" dirty="0" smtClean="0"/>
               <a:t> </a:t>
             </a:r>
             <a:r>
               <a:rPr lang="pt-PT" dirty="0" err="1" smtClean="0"/>
+              <a:t>and</a:t>
+            </a:r>
+            <a:r>
+              <a:rPr lang="pt-PT" dirty="0" smtClean="0"/>
+              <a:t> </a:t>
+            </a:r>
+            <a:r>
+              <a:rPr lang="pt-PT" dirty="0" err="1"/>
+              <a:t>R</a:t>
+            </a:r>
+            <a:r>
+              <a:rPr lang="pt-PT" dirty="0" err="1" smtClean="0"/>
+              <a:t>eview</a:t>
+            </a:r>
+            <a:r>
+              <a:rPr lang="pt-PT" dirty="0" smtClean="0"/>
+              <a:t> </a:t>
+            </a:r>
+            <a:r>
+              <a:rPr lang="pt-PT" dirty="0" err="1" smtClean="0"/>
               <a:t>Measures</a:t>
             </a:r>
             <a:endParaRPr lang="pt-PT" dirty="0" smtClean="0"/>
@@ -4896,119 +4928,16 @@
           <a:p>
             <a:pPr lvl="1"/>
             <a:r>
-              <a:rPr lang="pt-PT" dirty="0" smtClean="0">
-                <a:solidFill>
-                  <a:srgbClr val="FF0000"/>
-                </a:solidFill>
-              </a:rPr>
-              <a:t>MATRIZ DECISÃO</a:t>
-            </a:r>
+              <a:rPr lang="pt-PT" dirty="0" err="1" smtClean="0"/>
+              <a:t>Dashboard</a:t>
+            </a:r>
+            <a:endParaRPr lang="pt-PT" dirty="0" smtClean="0"/>
           </a:p>
           <a:p>
             <a:pPr lvl="1"/>
             <a:r>
               <a:rPr lang="pt-PT" dirty="0" err="1" smtClean="0"/>
-              <a:t>Burndown</a:t>
-            </a:r>
-            <a:r>
-              <a:rPr lang="pt-PT" dirty="0" smtClean="0"/>
-              <a:t> </a:t>
-            </a:r>
-            <a:r>
-              <a:rPr lang="pt-PT" dirty="0" err="1" smtClean="0"/>
-              <a:t>Chart</a:t>
-            </a:r>
-            <a:endParaRPr lang="pt-PT" dirty="0" smtClean="0"/>
-          </a:p>
-          <a:p>
-            <a:pPr lvl="1"/>
-            <a:r>
-              <a:rPr lang="pt-PT" dirty="0" err="1" smtClean="0"/>
-              <a:t>Dashboard</a:t>
-            </a:r>
-            <a:endParaRPr lang="pt-PT" dirty="0" smtClean="0"/>
-          </a:p>
-          <a:p>
-            <a:pPr lvl="1"/>
-            <a:r>
-              <a:rPr lang="pt-PT" dirty="0" err="1" smtClean="0"/>
               <a:t>Logs</a:t>
-            </a:r>
-            <a:endParaRPr lang="pt-PT" dirty="0" smtClean="0"/>
-          </a:p>
-          <a:p>
-            <a:pPr lvl="1"/>
-            <a:r>
-              <a:rPr lang="pt-PT" dirty="0" err="1" smtClean="0">
-                <a:solidFill>
-                  <a:srgbClr val="FF0000"/>
-                </a:solidFill>
-              </a:rPr>
-              <a:t>Review</a:t>
-            </a:r>
-            <a:r>
-              <a:rPr lang="pt-PT" dirty="0" smtClean="0">
-                <a:solidFill>
-                  <a:srgbClr val="FF0000"/>
-                </a:solidFill>
-              </a:rPr>
-              <a:t> </a:t>
-            </a:r>
-            <a:r>
-              <a:rPr lang="pt-PT" dirty="0" err="1" smtClean="0">
-                <a:solidFill>
-                  <a:srgbClr val="FF0000"/>
-                </a:solidFill>
-              </a:rPr>
-              <a:t>Measures</a:t>
-            </a:r>
-            <a:endParaRPr lang="pt-PT" dirty="0" smtClean="0">
-              <a:solidFill>
-                <a:srgbClr val="FF0000"/>
-              </a:solidFill>
-            </a:endParaRPr>
-          </a:p>
-          <a:p>
-            <a:pPr lvl="1"/>
-            <a:r>
-              <a:rPr lang="pt-PT" dirty="0" err="1" smtClean="0">
-                <a:solidFill>
-                  <a:srgbClr val="FF0000"/>
-                </a:solidFill>
-              </a:rPr>
-              <a:t>Tests</a:t>
-            </a:r>
-            <a:r>
-              <a:rPr lang="pt-PT" dirty="0" smtClean="0">
-                <a:solidFill>
-                  <a:srgbClr val="FF0000"/>
-                </a:solidFill>
-              </a:rPr>
-              <a:t> </a:t>
-            </a:r>
-            <a:r>
-              <a:rPr lang="pt-PT" dirty="0" err="1" smtClean="0">
-                <a:solidFill>
-                  <a:srgbClr val="FF0000"/>
-                </a:solidFill>
-              </a:rPr>
-              <a:t>Measures</a:t>
-            </a:r>
-            <a:endParaRPr lang="pt-PT" dirty="0" smtClean="0">
-              <a:solidFill>
-                <a:srgbClr val="FF0000"/>
-              </a:solidFill>
-            </a:endParaRPr>
-          </a:p>
-          <a:p>
-            <a:pPr lvl="1"/>
-            <a:r>
-              <a:rPr lang="pt-PT" dirty="0" smtClean="0">
-                <a:solidFill>
-                  <a:srgbClr val="FF0000"/>
-                </a:solidFill>
-              </a:rPr>
-              <a:t>EV</a:t>
             </a:r>
             <a:endParaRPr lang="pt-PT" dirty="0">
               <a:solidFill>
@@ -5411,6 +5340,390 @@
           </a:p>
         </p:txBody>
       </p:sp>
+      <p:sp>
+        <p:nvSpPr>
+          <p:cNvPr id="4" name="Oval 3"/>
+          <p:cNvSpPr/>
+          <p:nvPr/>
+        </p:nvSpPr>
+        <p:spPr>
+          <a:xfrm>
+            <a:off x="8470676" y="1186362"/>
+            <a:ext cx="1969176" cy="984687"/>
+          </a:xfrm>
+          <a:prstGeom prst="ellipse">
+            <a:avLst/>
+          </a:prstGeom>
+        </p:spPr>
+        <p:style>
+          <a:lnRef idx="2">
+            <a:schemeClr val="accent1">
+              <a:shade val="50000"/>
+            </a:schemeClr>
+          </a:lnRef>
+          <a:fillRef idx="1">
+            <a:schemeClr val="accent1"/>
+          </a:fillRef>
+          <a:effectRef idx="0">
+            <a:schemeClr val="accent1"/>
+          </a:effectRef>
+          <a:fontRef idx="minor">
+            <a:schemeClr val="lt1"/>
+          </a:fontRef>
+        </p:style>
+        <p:txBody>
+          <a:bodyPr rtlCol="0" anchor="ctr"/>
+          <a:lstStyle/>
+          <a:p>
+            <a:pPr algn="ctr"/>
+            <a:r>
+              <a:rPr lang="pt-PT" sz="1600" dirty="0" err="1" smtClean="0"/>
+              <a:t>Draft</a:t>
+            </a:r>
+            <a:endParaRPr lang="pt-PT" sz="1600" dirty="0"/>
+          </a:p>
+        </p:txBody>
+      </p:sp>
+      <p:sp>
+        <p:nvSpPr>
+          <p:cNvPr id="5" name="Oval 4"/>
+          <p:cNvSpPr/>
+          <p:nvPr/>
+        </p:nvSpPr>
+        <p:spPr>
+          <a:xfrm>
+            <a:off x="7221448" y="5122802"/>
+            <a:ext cx="1969176" cy="986400"/>
+          </a:xfrm>
+          <a:prstGeom prst="ellipse">
+            <a:avLst/>
+          </a:prstGeom>
+        </p:spPr>
+        <p:style>
+          <a:lnRef idx="2">
+            <a:schemeClr val="accent1">
+              <a:shade val="50000"/>
+            </a:schemeClr>
+          </a:lnRef>
+          <a:fillRef idx="1">
+            <a:schemeClr val="accent1"/>
+          </a:fillRef>
+          <a:effectRef idx="0">
+            <a:schemeClr val="accent1"/>
+          </a:effectRef>
+          <a:fontRef idx="minor">
+            <a:schemeClr val="lt1"/>
+          </a:fontRef>
+        </p:style>
+        <p:txBody>
+          <a:bodyPr rtlCol="0" anchor="ctr"/>
+          <a:lstStyle/>
+          <a:p>
+            <a:pPr algn="ctr"/>
+            <a:r>
+              <a:rPr lang="pt-PT" sz="1600" dirty="0" err="1" smtClean="0"/>
+              <a:t>Baselined</a:t>
+            </a:r>
+            <a:endParaRPr lang="pt-PT" sz="1600" dirty="0"/>
+          </a:p>
+        </p:txBody>
+      </p:sp>
+      <p:sp>
+        <p:nvSpPr>
+          <p:cNvPr id="6" name="Oval 5"/>
+          <p:cNvSpPr/>
+          <p:nvPr/>
+        </p:nvSpPr>
+        <p:spPr>
+          <a:xfrm>
+            <a:off x="7221436" y="3869313"/>
+            <a:ext cx="1969200" cy="986400"/>
+          </a:xfrm>
+          <a:prstGeom prst="ellipse">
+            <a:avLst/>
+          </a:prstGeom>
+        </p:spPr>
+        <p:style>
+          <a:lnRef idx="2">
+            <a:schemeClr val="accent1">
+              <a:shade val="50000"/>
+            </a:schemeClr>
+          </a:lnRef>
+          <a:fillRef idx="1">
+            <a:schemeClr val="accent1"/>
+          </a:fillRef>
+          <a:effectRef idx="0">
+            <a:schemeClr val="accent1"/>
+          </a:effectRef>
+          <a:fontRef idx="minor">
+            <a:schemeClr val="lt1"/>
+          </a:fontRef>
+        </p:style>
+        <p:txBody>
+          <a:bodyPr rtlCol="0" anchor="ctr"/>
+          <a:lstStyle/>
+          <a:p>
+            <a:pPr algn="ctr"/>
+            <a:r>
+              <a:rPr lang="pt-PT" sz="1600" dirty="0" err="1" smtClean="0"/>
+              <a:t>Ready</a:t>
+            </a:r>
+            <a:r>
+              <a:rPr lang="pt-PT" sz="1600" dirty="0" smtClean="0"/>
+              <a:t> for </a:t>
+            </a:r>
+            <a:r>
+              <a:rPr lang="pt-PT" sz="1600" dirty="0" err="1" smtClean="0"/>
+              <a:t>Approval</a:t>
+            </a:r>
+            <a:endParaRPr lang="pt-PT" sz="1600" dirty="0"/>
+          </a:p>
+        </p:txBody>
+      </p:sp>
+      <p:sp>
+        <p:nvSpPr>
+          <p:cNvPr id="7" name="Oval 6"/>
+          <p:cNvSpPr/>
+          <p:nvPr/>
+        </p:nvSpPr>
+        <p:spPr>
+          <a:xfrm>
+            <a:off x="7221317" y="2615824"/>
+            <a:ext cx="1969200" cy="986400"/>
+          </a:xfrm>
+          <a:prstGeom prst="ellipse">
+            <a:avLst/>
+          </a:prstGeom>
+        </p:spPr>
+        <p:style>
+          <a:lnRef idx="2">
+            <a:schemeClr val="accent1">
+              <a:shade val="50000"/>
+            </a:schemeClr>
+          </a:lnRef>
+          <a:fillRef idx="1">
+            <a:schemeClr val="accent1"/>
+          </a:fillRef>
+          <a:effectRef idx="0">
+            <a:schemeClr val="accent1"/>
+          </a:effectRef>
+          <a:fontRef idx="minor">
+            <a:schemeClr val="lt1"/>
+          </a:fontRef>
+        </p:style>
+        <p:txBody>
+          <a:bodyPr rtlCol="0" anchor="ctr"/>
+          <a:lstStyle/>
+          <a:p>
+            <a:pPr algn="ctr"/>
+            <a:r>
+              <a:rPr lang="pt-PT" sz="1600" dirty="0" err="1" smtClean="0"/>
+              <a:t>Ready</a:t>
+            </a:r>
+            <a:r>
+              <a:rPr lang="pt-PT" sz="1600" dirty="0" smtClean="0"/>
+              <a:t> for </a:t>
+            </a:r>
+            <a:r>
+              <a:rPr lang="pt-PT" sz="1600" dirty="0" err="1" smtClean="0"/>
+              <a:t>Revision</a:t>
+            </a:r>
+            <a:endParaRPr lang="pt-PT" sz="1600" dirty="0"/>
+          </a:p>
+        </p:txBody>
+      </p:sp>
+      <p:sp>
+        <p:nvSpPr>
+          <p:cNvPr id="8" name="Oval 7"/>
+          <p:cNvSpPr/>
+          <p:nvPr/>
+        </p:nvSpPr>
+        <p:spPr>
+          <a:xfrm>
+            <a:off x="9910836" y="2589499"/>
+            <a:ext cx="1969176" cy="986400"/>
+          </a:xfrm>
+          <a:prstGeom prst="ellipse">
+            <a:avLst/>
+          </a:prstGeom>
+        </p:spPr>
+        <p:style>
+          <a:lnRef idx="2">
+            <a:schemeClr val="accent1">
+              <a:shade val="50000"/>
+            </a:schemeClr>
+          </a:lnRef>
+          <a:fillRef idx="1">
+            <a:schemeClr val="accent1"/>
+          </a:fillRef>
+          <a:effectRef idx="0">
+            <a:schemeClr val="accent1"/>
+          </a:effectRef>
+          <a:fontRef idx="minor">
+            <a:schemeClr val="lt1"/>
+          </a:fontRef>
+        </p:style>
+        <p:txBody>
+          <a:bodyPr rtlCol="0" anchor="ctr"/>
+          <a:lstStyle/>
+          <a:p>
+            <a:pPr algn="ctr"/>
+            <a:r>
+              <a:rPr lang="pt-PT" sz="1600" dirty="0" err="1" smtClean="0"/>
+              <a:t>Deprecated</a:t>
+            </a:r>
+            <a:endParaRPr lang="pt-PT" sz="1600" dirty="0"/>
+          </a:p>
+        </p:txBody>
+      </p:sp>
+      <p:cxnSp>
+        <p:nvCxnSpPr>
+          <p:cNvPr id="12" name="Conexão em ângulos retos 11"/>
+          <p:cNvCxnSpPr>
+            <a:stCxn id="4" idx="4"/>
+            <a:endCxn id="7" idx="0"/>
+          </p:cNvCxnSpPr>
+          <p:nvPr/>
+        </p:nvCxnSpPr>
+        <p:spPr>
+          <a:xfrm rot="5400000">
+            <a:off x="8608204" y="1768763"/>
+            <a:ext cx="444775" cy="1249347"/>
+          </a:xfrm>
+          <a:prstGeom prst="bentConnector3">
+            <a:avLst>
+              <a:gd name="adj1" fmla="val 50000"/>
+            </a:avLst>
+          </a:prstGeom>
+          <a:ln>
+            <a:tailEnd type="triangle"/>
+          </a:ln>
+        </p:spPr>
+        <p:style>
+          <a:lnRef idx="1">
+            <a:schemeClr val="accent1"/>
+          </a:lnRef>
+          <a:fillRef idx="0">
+            <a:schemeClr val="accent1"/>
+          </a:fillRef>
+          <a:effectRef idx="0">
+            <a:schemeClr val="accent1"/>
+          </a:effectRef>
+          <a:fontRef idx="minor">
+            <a:schemeClr val="tx1"/>
+          </a:fontRef>
+        </p:style>
+      </p:cxnSp>
+      <p:cxnSp>
+        <p:nvCxnSpPr>
+          <p:cNvPr id="34" name="Conexão reta unidirecional 33"/>
+          <p:cNvCxnSpPr>
+            <a:stCxn id="7" idx="4"/>
+            <a:endCxn id="6" idx="0"/>
+          </p:cNvCxnSpPr>
+          <p:nvPr/>
+        </p:nvCxnSpPr>
+        <p:spPr>
+          <a:xfrm>
+            <a:off x="8205917" y="3602224"/>
+            <a:ext cx="119" cy="267089"/>
+          </a:xfrm>
+          <a:prstGeom prst="straightConnector1">
+            <a:avLst/>
+          </a:prstGeom>
+          <a:ln>
+            <a:tailEnd type="triangle"/>
+          </a:ln>
+        </p:spPr>
+        <p:style>
+          <a:lnRef idx="1">
+            <a:schemeClr val="accent1"/>
+          </a:lnRef>
+          <a:fillRef idx="0">
+            <a:schemeClr val="accent1"/>
+          </a:fillRef>
+          <a:effectRef idx="0">
+            <a:schemeClr val="accent1"/>
+          </a:effectRef>
+          <a:fontRef idx="minor">
+            <a:schemeClr val="tx1"/>
+          </a:fontRef>
+        </p:style>
+      </p:cxnSp>
+      <p:cxnSp>
+        <p:nvCxnSpPr>
+          <p:cNvPr id="37" name="Conexão reta unidirecional 36"/>
+          <p:cNvCxnSpPr>
+            <a:stCxn id="6" idx="4"/>
+            <a:endCxn id="5" idx="0"/>
+          </p:cNvCxnSpPr>
+          <p:nvPr/>
+        </p:nvCxnSpPr>
+        <p:spPr>
+          <a:xfrm>
+            <a:off x="8206036" y="4855713"/>
+            <a:ext cx="0" cy="267089"/>
+          </a:xfrm>
+          <a:prstGeom prst="straightConnector1">
+            <a:avLst/>
+          </a:prstGeom>
+          <a:ln>
+            <a:tailEnd type="triangle"/>
+          </a:ln>
+        </p:spPr>
+        <p:style>
+          <a:lnRef idx="1">
+            <a:schemeClr val="accent1"/>
+          </a:lnRef>
+          <a:fillRef idx="0">
+            <a:schemeClr val="accent1"/>
+          </a:fillRef>
+          <a:effectRef idx="0">
+            <a:schemeClr val="accent1"/>
+          </a:effectRef>
+          <a:fontRef idx="minor">
+            <a:schemeClr val="tx1"/>
+          </a:fontRef>
+        </p:style>
+      </p:cxnSp>
+      <p:cxnSp>
+        <p:nvCxnSpPr>
+          <p:cNvPr id="43" name="Conexão em ângulos retos 42"/>
+          <p:cNvCxnSpPr>
+            <a:stCxn id="4" idx="4"/>
+            <a:endCxn id="8" idx="0"/>
+          </p:cNvCxnSpPr>
+          <p:nvPr/>
+        </p:nvCxnSpPr>
+        <p:spPr>
+          <a:xfrm rot="16200000" flipH="1">
+            <a:off x="9966119" y="1660194"/>
+            <a:ext cx="418450" cy="1440160"/>
+          </a:xfrm>
+          <a:prstGeom prst="bentConnector3">
+            <a:avLst>
+              <a:gd name="adj1" fmla="val 53035"/>
+            </a:avLst>
+          </a:prstGeom>
+          <a:ln>
+            <a:tailEnd type="triangle"/>
+          </a:ln>
+        </p:spPr>
+        <p:style>
+          <a:lnRef idx="1">
+            <a:schemeClr val="accent1"/>
+          </a:lnRef>
+          <a:fillRef idx="0">
+            <a:schemeClr val="accent1"/>
+          </a:fillRef>
+          <a:effectRef idx="0">
+            <a:schemeClr val="accent1"/>
+          </a:effectRef>
+          <a:fontRef idx="minor">
+            <a:schemeClr val="tx1"/>
+          </a:fontRef>
+        </p:style>
+      </p:cxnSp>
     </p:spTree>
     <p:extLst>
       <p:ext uri="{BB962C8B-B14F-4D97-AF65-F5344CB8AC3E}">
@@ -5759,13 +6072,13 @@
   <p:clrMapOvr>
     <a:masterClrMapping/>
   </p:clrMapOvr>
-  <mc:AlternateContent xmlns:mc="http://schemas.openxmlformats.org/markup-compatibility/2006">
-    <mc:Choice xmlns:p14="http://schemas.microsoft.com/office/powerpoint/2010/main" Requires="p14">
+  <mc:AlternateContent xmlns:mc="http://schemas.openxmlformats.org/markup-compatibility/2006" xmlns:p14="http://schemas.microsoft.com/office/powerpoint/2010/main">
+    <mc:Choice Requires="p14">
       <p:transition spd="med" p14:dur="700">
         <p:fade/>
       </p:transition>
     </mc:Choice>
-    <mc:Fallback>
+    <mc:Fallback xmlns="">
       <p:transition spd="med">
         <p:fade/>
       </p:transition>

--- a/trunk/Final Presentation/Mário/librarian.pptx
+++ b/trunk/Final Presentation/Mário/librarian.pptx
@@ -5,10 +5,10 @@
     <p:sldMasterId id="2147483648" r:id="rId2"/>
   </p:sldMasterIdLst>
   <p:notesMasterIdLst>
-    <p:notesMasterId r:id="rId11"/>
+    <p:notesMasterId r:id="rId12"/>
   </p:notesMasterIdLst>
   <p:handoutMasterIdLst>
-    <p:handoutMasterId r:id="rId12"/>
+    <p:handoutMasterId r:id="rId13"/>
   </p:handoutMasterIdLst>
   <p:sldIdLst>
     <p:sldId id="265" r:id="rId3"/>
@@ -17,13 +17,14 @@
     <p:sldId id="347" r:id="rId6"/>
     <p:sldId id="348" r:id="rId7"/>
     <p:sldId id="349" r:id="rId8"/>
-    <p:sldId id="350" r:id="rId9"/>
-    <p:sldId id="314" r:id="rId10"/>
+    <p:sldId id="351" r:id="rId9"/>
+    <p:sldId id="350" r:id="rId10"/>
+    <p:sldId id="314" r:id="rId11"/>
   </p:sldIdLst>
   <p:sldSz cx="12188825" cy="6858000"/>
   <p:notesSz cx="6858000" cy="9144000"/>
   <p:custDataLst>
-    <p:tags r:id="rId13"/>
+    <p:tags r:id="rId14"/>
   </p:custDataLst>
   <p:defaultTextStyle>
     <a:defPPr>
@@ -314,7 +315,7 @@
           <a:p>
             <a:fld id="{59088EAF-6ECA-4616-85EF-35AA19C641F3}" type="datetimeFigureOut">
               <a:rPr lang="pt-PT" smtClean="0"/>
-              <a:t>22/06/2013</a:t>
+              <a:t>27/06/2013</a:t>
             </a:fld>
             <a:endParaRPr lang="pt-PT" dirty="0"/>
           </a:p>
@@ -479,7 +480,7 @@
           <a:p>
             <a:fld id="{3ABD2D7A-D230-4F91-BD59-0A39C2703BA8}" type="datetimeFigureOut">
               <a:rPr lang="pt-PT" smtClean="0"/>
-              <a:t>22/06/2013</a:t>
+              <a:t>27/06/2013</a:t>
             </a:fld>
             <a:endParaRPr lang="pt-PT" dirty="0"/>
           </a:p>
@@ -1082,7 +1083,7 @@
           <a:p>
             <a:fld id="{03F41C87-7AD9-4845-A077-840E4A0F3F06}" type="datetimeFigureOut">
               <a:rPr lang="pt-PT" smtClean="0"/>
-              <a:t>22/06/2013</a:t>
+              <a:t>27/06/2013</a:t>
             </a:fld>
             <a:endParaRPr lang="pt-PT" dirty="0"/>
           </a:p>
@@ -1281,7 +1282,7 @@
           <a:p>
             <a:fld id="{03F41C87-7AD9-4845-A077-840E4A0F3F06}" type="datetimeFigureOut">
               <a:rPr lang="pt-PT" smtClean="0"/>
-              <a:t>22/06/2013</a:t>
+              <a:t>27/06/2013</a:t>
             </a:fld>
             <a:endParaRPr lang="pt-PT" dirty="0"/>
           </a:p>
@@ -1477,7 +1478,7 @@
           <a:p>
             <a:fld id="{03F41C87-7AD9-4845-A077-840E4A0F3F06}" type="datetimeFigureOut">
               <a:rPr lang="pt-PT" smtClean="0"/>
-              <a:t>22/06/2013</a:t>
+              <a:t>27/06/2013</a:t>
             </a:fld>
             <a:endParaRPr lang="pt-PT" dirty="0"/>
           </a:p>
@@ -1764,7 +1765,7 @@
           <a:p>
             <a:fld id="{03F41C87-7AD9-4845-A077-840E4A0F3F06}" type="datetimeFigureOut">
               <a:rPr lang="pt-PT" smtClean="0"/>
-              <a:t>22/06/2013</a:t>
+              <a:t>27/06/2013</a:t>
             </a:fld>
             <a:endParaRPr lang="pt-PT" dirty="0"/>
           </a:p>
@@ -2080,7 +2081,7 @@
           <a:p>
             <a:fld id="{03F41C87-7AD9-4845-A077-840E4A0F3F06}" type="datetimeFigureOut">
               <a:rPr lang="pt-PT" smtClean="0"/>
-              <a:t>22/06/2013</a:t>
+              <a:t>27/06/2013</a:t>
             </a:fld>
             <a:endParaRPr lang="pt-PT" dirty="0"/>
           </a:p>
@@ -2548,7 +2549,7 @@
           <a:p>
             <a:fld id="{03F41C87-7AD9-4845-A077-840E4A0F3F06}" type="datetimeFigureOut">
               <a:rPr lang="pt-PT" smtClean="0"/>
-              <a:t>22/06/2013</a:t>
+              <a:t>27/06/2013</a:t>
             </a:fld>
             <a:endParaRPr lang="pt-PT" dirty="0"/>
           </a:p>
@@ -2685,7 +2686,7 @@
           <a:p>
             <a:fld id="{03F41C87-7AD9-4845-A077-840E4A0F3F06}" type="datetimeFigureOut">
               <a:rPr lang="pt-PT" smtClean="0"/>
-              <a:t>22/06/2013</a:t>
+              <a:t>27/06/2013</a:t>
             </a:fld>
             <a:endParaRPr lang="pt-PT" dirty="0"/>
           </a:p>
@@ -2807,7 +2808,7 @@
           <a:p>
             <a:fld id="{03F41C87-7AD9-4845-A077-840E4A0F3F06}" type="datetimeFigureOut">
               <a:rPr lang="pt-PT" smtClean="0"/>
-              <a:t>22/06/2013</a:t>
+              <a:t>27/06/2013</a:t>
             </a:fld>
             <a:endParaRPr lang="pt-PT" dirty="0"/>
           </a:p>
@@ -3136,7 +3137,7 @@
           <a:p>
             <a:fld id="{03F41C87-7AD9-4845-A077-840E4A0F3F06}" type="datetimeFigureOut">
               <a:rPr lang="pt-PT" smtClean="0"/>
-              <a:t>22/06/2013</a:t>
+              <a:t>27/06/2013</a:t>
             </a:fld>
             <a:endParaRPr lang="pt-PT" dirty="0"/>
           </a:p>
@@ -3455,7 +3456,7 @@
             <a:fld id="{03F41C87-7AD9-4845-A077-840E4A0F3F06}" type="datetimeFigureOut">
               <a:rPr lang="pt-PT" smtClean="0"/>
               <a:pPr/>
-              <a:t>22/06/2013</a:t>
+              <a:t>27/06/2013</a:t>
             </a:fld>
             <a:endParaRPr lang="pt-PT" dirty="0"/>
           </a:p>
@@ -3698,7 +3699,7 @@
             <a:fld id="{03F41C87-7AD9-4845-A077-840E4A0F3F06}" type="datetimeFigureOut">
               <a:rPr lang="pt-PT" smtClean="0"/>
               <a:pPr/>
-              <a:t>22/06/2013</a:t>
+              <a:t>27/06/2013</a:t>
             </a:fld>
             <a:endParaRPr lang="pt-PT" dirty="0"/>
           </a:p>
@@ -4652,7 +4653,11 @@
             </a:r>
             <a:r>
               <a:rPr lang="pt-PT" dirty="0" err="1"/>
-              <a:t>repository</a:t>
+              <a:t>R</a:t>
+            </a:r>
+            <a:r>
+              <a:rPr lang="pt-PT" dirty="0" err="1" smtClean="0"/>
+              <a:t>epository</a:t>
             </a:r>
             <a:endParaRPr lang="pt-PT" dirty="0"/>
           </a:p>
@@ -4846,7 +4851,11 @@
             </a:r>
             <a:r>
               <a:rPr lang="pt-PT" dirty="0" err="1"/>
-              <a:t>repository</a:t>
+              <a:t>R</a:t>
+            </a:r>
+            <a:r>
+              <a:rPr lang="pt-PT" dirty="0" err="1" smtClean="0"/>
+              <a:t>epository</a:t>
             </a:r>
             <a:endParaRPr lang="pt-PT" dirty="0"/>
           </a:p>
@@ -4888,6 +4897,14 @@
               <a:t>, </a:t>
             </a:r>
             <a:r>
+              <a:rPr lang="pt-PT" dirty="0" err="1" smtClean="0"/>
+              <a:t>Requirements</a:t>
+            </a:r>
+            <a:r>
+              <a:rPr lang="pt-PT" dirty="0" smtClean="0"/>
+              <a:t>, </a:t>
+            </a:r>
+            <a:r>
               <a:rPr lang="pt-PT" dirty="0" err="1"/>
               <a:t>T</a:t>
             </a:r>
@@ -4939,11 +4956,7 @@
               <a:rPr lang="pt-PT" dirty="0" err="1" smtClean="0"/>
               <a:t>Logs</a:t>
             </a:r>
-            <a:endParaRPr lang="pt-PT" dirty="0">
-              <a:solidFill>
-                <a:srgbClr val="FF0000"/>
-              </a:solidFill>
-            </a:endParaRPr>
+            <a:endParaRPr lang="pt-PT" dirty="0" smtClean="0"/>
           </a:p>
         </p:txBody>
       </p:sp>
@@ -5032,7 +5045,9 @@
         </p:nvSpPr>
         <p:spPr/>
         <p:txBody>
-          <a:bodyPr/>
+          <a:bodyPr>
+            <a:normAutofit lnSpcReduction="10000"/>
+          </a:bodyPr>
           <a:lstStyle/>
           <a:p>
             <a:r>
@@ -5071,6 +5086,18 @@
           <a:p>
             <a:pPr lvl="2"/>
             <a:r>
+              <a:rPr lang="pt-PT" dirty="0" err="1" smtClean="0"/>
+              <a:t>Logs</a:t>
+            </a:r>
+            <a:r>
+              <a:rPr lang="pt-PT" dirty="0" smtClean="0"/>
+              <a:t> (link)</a:t>
+            </a:r>
+            <a:endParaRPr lang="pt-PT" dirty="0" smtClean="0"/>
+          </a:p>
+          <a:p>
+            <a:pPr lvl="2"/>
+            <a:r>
               <a:rPr lang="pt-PT" dirty="0" smtClean="0"/>
               <a:t>Project </a:t>
             </a:r>
@@ -5141,6 +5168,10 @@
             <a:r>
               <a:rPr lang="pt-PT" dirty="0" err="1" smtClean="0"/>
               <a:t>Repository</a:t>
+            </a:r>
+            <a:r>
+              <a:rPr lang="pt-PT" dirty="0" smtClean="0"/>
+              <a:t> (link)</a:t>
             </a:r>
             <a:endParaRPr lang="pt-PT" dirty="0"/>
           </a:p>
@@ -5168,6 +5199,13 @@
       </p:transition>
     </mc:Fallback>
   </mc:AlternateContent>
+  <p:timing>
+    <p:tnLst>
+      <p:par>
+        <p:cTn id="1" dur="indefinite" restart="never" nodeType="tmRoot"/>
+      </p:par>
+    </p:tnLst>
+  </p:timing>
 </p:sld>
 </file>
 
@@ -5294,8 +5332,13 @@
             </a:r>
             <a:r>
               <a:rPr lang="pt-PT" dirty="0" smtClean="0"/>
-              <a:t>: 1</a:t>
-            </a:r>
+              <a:t>: </a:t>
+            </a:r>
+            <a:r>
+              <a:rPr lang="pt-PT" dirty="0" smtClean="0"/>
+              <a:t>0</a:t>
+            </a:r>
+            <a:endParaRPr lang="pt-PT" dirty="0" smtClean="0"/>
           </a:p>
           <a:p>
             <a:pPr lvl="1"/>
@@ -5305,8 +5348,13 @@
             </a:r>
             <a:r>
               <a:rPr lang="pt-PT" dirty="0" smtClean="0"/>
-              <a:t>: 28</a:t>
-            </a:r>
+              <a:t>: </a:t>
+            </a:r>
+            <a:r>
+              <a:rPr lang="pt-PT" dirty="0" smtClean="0"/>
+              <a:t>29</a:t>
+            </a:r>
+            <a:endParaRPr lang="pt-PT" dirty="0" smtClean="0"/>
           </a:p>
           <a:p>
             <a:pPr lvl="1"/>
@@ -5340,390 +5388,30 @@
           </a:p>
         </p:txBody>
       </p:sp>
-      <p:sp>
-        <p:nvSpPr>
-          <p:cNvPr id="4" name="Oval 3"/>
-          <p:cNvSpPr/>
+      <p:pic>
+        <p:nvPicPr>
+          <p:cNvPr id="13" name="Imagem 12"/>
+          <p:cNvPicPr>
+            <a:picLocks noChangeAspect="1"/>
+          </p:cNvPicPr>
           <p:nvPr/>
-        </p:nvSpPr>
+        </p:nvPicPr>
+        <p:blipFill>
+          <a:blip r:embed="rId2"/>
+          <a:stretch>
+            <a:fillRect/>
+          </a:stretch>
+        </p:blipFill>
         <p:spPr>
           <a:xfrm>
-            <a:off x="8470676" y="1186362"/>
-            <a:ext cx="1969176" cy="984687"/>
+            <a:off x="5518348" y="1744078"/>
+            <a:ext cx="6448425" cy="5038725"/>
           </a:xfrm>
-          <a:prstGeom prst="ellipse">
+          <a:prstGeom prst="rect">
             <a:avLst/>
           </a:prstGeom>
         </p:spPr>
-        <p:style>
-          <a:lnRef idx="2">
-            <a:schemeClr val="accent1">
-              <a:shade val="50000"/>
-            </a:schemeClr>
-          </a:lnRef>
-          <a:fillRef idx="1">
-            <a:schemeClr val="accent1"/>
-          </a:fillRef>
-          <a:effectRef idx="0">
-            <a:schemeClr val="accent1"/>
-          </a:effectRef>
-          <a:fontRef idx="minor">
-            <a:schemeClr val="lt1"/>
-          </a:fontRef>
-        </p:style>
-        <p:txBody>
-          <a:bodyPr rtlCol="0" anchor="ctr"/>
-          <a:lstStyle/>
-          <a:p>
-            <a:pPr algn="ctr"/>
-            <a:r>
-              <a:rPr lang="pt-PT" sz="1600" dirty="0" err="1" smtClean="0"/>
-              <a:t>Draft</a:t>
-            </a:r>
-            <a:endParaRPr lang="pt-PT" sz="1600" dirty="0"/>
-          </a:p>
-        </p:txBody>
-      </p:sp>
-      <p:sp>
-        <p:nvSpPr>
-          <p:cNvPr id="5" name="Oval 4"/>
-          <p:cNvSpPr/>
-          <p:nvPr/>
-        </p:nvSpPr>
-        <p:spPr>
-          <a:xfrm>
-            <a:off x="7221448" y="5122802"/>
-            <a:ext cx="1969176" cy="986400"/>
-          </a:xfrm>
-          <a:prstGeom prst="ellipse">
-            <a:avLst/>
-          </a:prstGeom>
-        </p:spPr>
-        <p:style>
-          <a:lnRef idx="2">
-            <a:schemeClr val="accent1">
-              <a:shade val="50000"/>
-            </a:schemeClr>
-          </a:lnRef>
-          <a:fillRef idx="1">
-            <a:schemeClr val="accent1"/>
-          </a:fillRef>
-          <a:effectRef idx="0">
-            <a:schemeClr val="accent1"/>
-          </a:effectRef>
-          <a:fontRef idx="minor">
-            <a:schemeClr val="lt1"/>
-          </a:fontRef>
-        </p:style>
-        <p:txBody>
-          <a:bodyPr rtlCol="0" anchor="ctr"/>
-          <a:lstStyle/>
-          <a:p>
-            <a:pPr algn="ctr"/>
-            <a:r>
-              <a:rPr lang="pt-PT" sz="1600" dirty="0" err="1" smtClean="0"/>
-              <a:t>Baselined</a:t>
-            </a:r>
-            <a:endParaRPr lang="pt-PT" sz="1600" dirty="0"/>
-          </a:p>
-        </p:txBody>
-      </p:sp>
-      <p:sp>
-        <p:nvSpPr>
-          <p:cNvPr id="6" name="Oval 5"/>
-          <p:cNvSpPr/>
-          <p:nvPr/>
-        </p:nvSpPr>
-        <p:spPr>
-          <a:xfrm>
-            <a:off x="7221436" y="3869313"/>
-            <a:ext cx="1969200" cy="986400"/>
-          </a:xfrm>
-          <a:prstGeom prst="ellipse">
-            <a:avLst/>
-          </a:prstGeom>
-        </p:spPr>
-        <p:style>
-          <a:lnRef idx="2">
-            <a:schemeClr val="accent1">
-              <a:shade val="50000"/>
-            </a:schemeClr>
-          </a:lnRef>
-          <a:fillRef idx="1">
-            <a:schemeClr val="accent1"/>
-          </a:fillRef>
-          <a:effectRef idx="0">
-            <a:schemeClr val="accent1"/>
-          </a:effectRef>
-          <a:fontRef idx="minor">
-            <a:schemeClr val="lt1"/>
-          </a:fontRef>
-        </p:style>
-        <p:txBody>
-          <a:bodyPr rtlCol="0" anchor="ctr"/>
-          <a:lstStyle/>
-          <a:p>
-            <a:pPr algn="ctr"/>
-            <a:r>
-              <a:rPr lang="pt-PT" sz="1600" dirty="0" err="1" smtClean="0"/>
-              <a:t>Ready</a:t>
-            </a:r>
-            <a:r>
-              <a:rPr lang="pt-PT" sz="1600" dirty="0" smtClean="0"/>
-              <a:t> for </a:t>
-            </a:r>
-            <a:r>
-              <a:rPr lang="pt-PT" sz="1600" dirty="0" err="1" smtClean="0"/>
-              <a:t>Approval</a:t>
-            </a:r>
-            <a:endParaRPr lang="pt-PT" sz="1600" dirty="0"/>
-          </a:p>
-        </p:txBody>
-      </p:sp>
-      <p:sp>
-        <p:nvSpPr>
-          <p:cNvPr id="7" name="Oval 6"/>
-          <p:cNvSpPr/>
-          <p:nvPr/>
-        </p:nvSpPr>
-        <p:spPr>
-          <a:xfrm>
-            <a:off x="7221317" y="2615824"/>
-            <a:ext cx="1969200" cy="986400"/>
-          </a:xfrm>
-          <a:prstGeom prst="ellipse">
-            <a:avLst/>
-          </a:prstGeom>
-        </p:spPr>
-        <p:style>
-          <a:lnRef idx="2">
-            <a:schemeClr val="accent1">
-              <a:shade val="50000"/>
-            </a:schemeClr>
-          </a:lnRef>
-          <a:fillRef idx="1">
-            <a:schemeClr val="accent1"/>
-          </a:fillRef>
-          <a:effectRef idx="0">
-            <a:schemeClr val="accent1"/>
-          </a:effectRef>
-          <a:fontRef idx="minor">
-            <a:schemeClr val="lt1"/>
-          </a:fontRef>
-        </p:style>
-        <p:txBody>
-          <a:bodyPr rtlCol="0" anchor="ctr"/>
-          <a:lstStyle/>
-          <a:p>
-            <a:pPr algn="ctr"/>
-            <a:r>
-              <a:rPr lang="pt-PT" sz="1600" dirty="0" err="1" smtClean="0"/>
-              <a:t>Ready</a:t>
-            </a:r>
-            <a:r>
-              <a:rPr lang="pt-PT" sz="1600" dirty="0" smtClean="0"/>
-              <a:t> for </a:t>
-            </a:r>
-            <a:r>
-              <a:rPr lang="pt-PT" sz="1600" dirty="0" err="1" smtClean="0"/>
-              <a:t>Revision</a:t>
-            </a:r>
-            <a:endParaRPr lang="pt-PT" sz="1600" dirty="0"/>
-          </a:p>
-        </p:txBody>
-      </p:sp>
-      <p:sp>
-        <p:nvSpPr>
-          <p:cNvPr id="8" name="Oval 7"/>
-          <p:cNvSpPr/>
-          <p:nvPr/>
-        </p:nvSpPr>
-        <p:spPr>
-          <a:xfrm>
-            <a:off x="9910836" y="2589499"/>
-            <a:ext cx="1969176" cy="986400"/>
-          </a:xfrm>
-          <a:prstGeom prst="ellipse">
-            <a:avLst/>
-          </a:prstGeom>
-        </p:spPr>
-        <p:style>
-          <a:lnRef idx="2">
-            <a:schemeClr val="accent1">
-              <a:shade val="50000"/>
-            </a:schemeClr>
-          </a:lnRef>
-          <a:fillRef idx="1">
-            <a:schemeClr val="accent1"/>
-          </a:fillRef>
-          <a:effectRef idx="0">
-            <a:schemeClr val="accent1"/>
-          </a:effectRef>
-          <a:fontRef idx="minor">
-            <a:schemeClr val="lt1"/>
-          </a:fontRef>
-        </p:style>
-        <p:txBody>
-          <a:bodyPr rtlCol="0" anchor="ctr"/>
-          <a:lstStyle/>
-          <a:p>
-            <a:pPr algn="ctr"/>
-            <a:r>
-              <a:rPr lang="pt-PT" sz="1600" dirty="0" err="1" smtClean="0"/>
-              <a:t>Deprecated</a:t>
-            </a:r>
-            <a:endParaRPr lang="pt-PT" sz="1600" dirty="0"/>
-          </a:p>
-        </p:txBody>
-      </p:sp>
-      <p:cxnSp>
-        <p:nvCxnSpPr>
-          <p:cNvPr id="12" name="Conexão em ângulos retos 11"/>
-          <p:cNvCxnSpPr>
-            <a:stCxn id="4" idx="4"/>
-            <a:endCxn id="7" idx="0"/>
-          </p:cNvCxnSpPr>
-          <p:nvPr/>
-        </p:nvCxnSpPr>
-        <p:spPr>
-          <a:xfrm rot="5400000">
-            <a:off x="8608204" y="1768763"/>
-            <a:ext cx="444775" cy="1249347"/>
-          </a:xfrm>
-          <a:prstGeom prst="bentConnector3">
-            <a:avLst>
-              <a:gd name="adj1" fmla="val 50000"/>
-            </a:avLst>
-          </a:prstGeom>
-          <a:ln>
-            <a:tailEnd type="triangle"/>
-          </a:ln>
-        </p:spPr>
-        <p:style>
-          <a:lnRef idx="1">
-            <a:schemeClr val="accent1"/>
-          </a:lnRef>
-          <a:fillRef idx="0">
-            <a:schemeClr val="accent1"/>
-          </a:fillRef>
-          <a:effectRef idx="0">
-            <a:schemeClr val="accent1"/>
-          </a:effectRef>
-          <a:fontRef idx="minor">
-            <a:schemeClr val="tx1"/>
-          </a:fontRef>
-        </p:style>
-      </p:cxnSp>
-      <p:cxnSp>
-        <p:nvCxnSpPr>
-          <p:cNvPr id="34" name="Conexão reta unidirecional 33"/>
-          <p:cNvCxnSpPr>
-            <a:stCxn id="7" idx="4"/>
-            <a:endCxn id="6" idx="0"/>
-          </p:cNvCxnSpPr>
-          <p:nvPr/>
-        </p:nvCxnSpPr>
-        <p:spPr>
-          <a:xfrm>
-            <a:off x="8205917" y="3602224"/>
-            <a:ext cx="119" cy="267089"/>
-          </a:xfrm>
-          <a:prstGeom prst="straightConnector1">
-            <a:avLst/>
-          </a:prstGeom>
-          <a:ln>
-            <a:tailEnd type="triangle"/>
-          </a:ln>
-        </p:spPr>
-        <p:style>
-          <a:lnRef idx="1">
-            <a:schemeClr val="accent1"/>
-          </a:lnRef>
-          <a:fillRef idx="0">
-            <a:schemeClr val="accent1"/>
-          </a:fillRef>
-          <a:effectRef idx="0">
-            <a:schemeClr val="accent1"/>
-          </a:effectRef>
-          <a:fontRef idx="minor">
-            <a:schemeClr val="tx1"/>
-          </a:fontRef>
-        </p:style>
-      </p:cxnSp>
-      <p:cxnSp>
-        <p:nvCxnSpPr>
-          <p:cNvPr id="37" name="Conexão reta unidirecional 36"/>
-          <p:cNvCxnSpPr>
-            <a:stCxn id="6" idx="4"/>
-            <a:endCxn id="5" idx="0"/>
-          </p:cNvCxnSpPr>
-          <p:nvPr/>
-        </p:nvCxnSpPr>
-        <p:spPr>
-          <a:xfrm>
-            <a:off x="8206036" y="4855713"/>
-            <a:ext cx="0" cy="267089"/>
-          </a:xfrm>
-          <a:prstGeom prst="straightConnector1">
-            <a:avLst/>
-          </a:prstGeom>
-          <a:ln>
-            <a:tailEnd type="triangle"/>
-          </a:ln>
-        </p:spPr>
-        <p:style>
-          <a:lnRef idx="1">
-            <a:schemeClr val="accent1"/>
-          </a:lnRef>
-          <a:fillRef idx="0">
-            <a:schemeClr val="accent1"/>
-          </a:fillRef>
-          <a:effectRef idx="0">
-            <a:schemeClr val="accent1"/>
-          </a:effectRef>
-          <a:fontRef idx="minor">
-            <a:schemeClr val="tx1"/>
-          </a:fontRef>
-        </p:style>
-      </p:cxnSp>
-      <p:cxnSp>
-        <p:nvCxnSpPr>
-          <p:cNvPr id="43" name="Conexão em ângulos retos 42"/>
-          <p:cNvCxnSpPr>
-            <a:stCxn id="4" idx="4"/>
-            <a:endCxn id="8" idx="0"/>
-          </p:cNvCxnSpPr>
-          <p:nvPr/>
-        </p:nvCxnSpPr>
-        <p:spPr>
-          <a:xfrm rot="16200000" flipH="1">
-            <a:off x="9966119" y="1660194"/>
-            <a:ext cx="418450" cy="1440160"/>
-          </a:xfrm>
-          <a:prstGeom prst="bentConnector3">
-            <a:avLst>
-              <a:gd name="adj1" fmla="val 53035"/>
-            </a:avLst>
-          </a:prstGeom>
-          <a:ln>
-            <a:tailEnd type="triangle"/>
-          </a:ln>
-        </p:spPr>
-        <p:style>
-          <a:lnRef idx="1">
-            <a:schemeClr val="accent1"/>
-          </a:lnRef>
-          <a:fillRef idx="0">
-            <a:schemeClr val="accent1"/>
-          </a:fillRef>
-          <a:effectRef idx="0">
-            <a:schemeClr val="accent1"/>
-          </a:effectRef>
-          <a:fontRef idx="minor">
-            <a:schemeClr val="tx1"/>
-          </a:fontRef>
-        </p:style>
-      </p:cxnSp>
+      </p:pic>
     </p:spTree>
     <p:extLst>
       <p:ext uri="{BB962C8B-B14F-4D97-AF65-F5344CB8AC3E}">
@@ -5746,6 +5434,13 @@
       </p:transition>
     </mc:Fallback>
   </mc:AlternateContent>
+  <p:timing>
+    <p:tnLst>
+      <p:par>
+        <p:cTn id="1" dur="indefinite" restart="never" nodeType="tmRoot"/>
+      </p:par>
+    </p:tnLst>
+  </p:timing>
 </p:sld>
 </file>
 
@@ -5782,6 +5477,321 @@
           <a:lstStyle/>
           <a:p>
             <a:r>
+              <a:rPr lang="pt-PT" dirty="0"/>
+              <a:t>Individual </a:t>
+            </a:r>
+            <a:r>
+              <a:rPr lang="pt-PT" dirty="0" err="1"/>
+              <a:t>Analysis</a:t>
+            </a:r>
+            <a:endParaRPr lang="pt-PT" dirty="0"/>
+          </a:p>
+        </p:txBody>
+      </p:sp>
+      <p:sp>
+        <p:nvSpPr>
+          <p:cNvPr id="3" name="Marcador de Posição de Conteúdo 2"/>
+          <p:cNvSpPr>
+            <a:spLocks noGrp="1"/>
+          </p:cNvSpPr>
+          <p:nvPr>
+            <p:ph idx="1"/>
+          </p:nvPr>
+        </p:nvSpPr>
+        <p:spPr/>
+        <p:txBody>
+          <a:bodyPr>
+            <a:normAutofit fontScale="92500" lnSpcReduction="20000"/>
+          </a:bodyPr>
+          <a:lstStyle/>
+          <a:p>
+            <a:r>
+              <a:rPr lang="pt-PT" dirty="0" err="1" smtClean="0"/>
+              <a:t>Helped</a:t>
+            </a:r>
+            <a:r>
+              <a:rPr lang="pt-PT" dirty="0" smtClean="0"/>
+              <a:t> </a:t>
+            </a:r>
+            <a:r>
+              <a:rPr lang="pt-PT" dirty="0" err="1" smtClean="0"/>
+              <a:t>when</a:t>
+            </a:r>
+            <a:r>
+              <a:rPr lang="pt-PT" dirty="0" smtClean="0"/>
+              <a:t> </a:t>
+            </a:r>
+            <a:r>
+              <a:rPr lang="pt-PT" dirty="0" err="1" smtClean="0"/>
+              <a:t>it</a:t>
+            </a:r>
+            <a:r>
+              <a:rPr lang="pt-PT" dirty="0" smtClean="0"/>
+              <a:t> </a:t>
+            </a:r>
+            <a:r>
+              <a:rPr lang="pt-PT" dirty="0" err="1" smtClean="0"/>
+              <a:t>was</a:t>
+            </a:r>
+            <a:r>
+              <a:rPr lang="pt-PT" dirty="0" smtClean="0"/>
+              <a:t> </a:t>
+            </a:r>
+            <a:r>
+              <a:rPr lang="pt-PT" dirty="0" err="1" smtClean="0"/>
+              <a:t>needed</a:t>
+            </a:r>
+            <a:endParaRPr lang="pt-PT" dirty="0" smtClean="0"/>
+          </a:p>
+          <a:p>
+            <a:r>
+              <a:rPr lang="pt-PT" dirty="0" err="1" smtClean="0"/>
+              <a:t>Did</a:t>
+            </a:r>
+            <a:r>
+              <a:rPr lang="pt-PT" dirty="0" smtClean="0"/>
+              <a:t> </a:t>
+            </a:r>
+            <a:r>
+              <a:rPr lang="pt-PT" dirty="0" err="1" smtClean="0"/>
+              <a:t>the</a:t>
+            </a:r>
+            <a:r>
+              <a:rPr lang="pt-PT" dirty="0" smtClean="0"/>
+              <a:t> </a:t>
+            </a:r>
+            <a:r>
+              <a:rPr lang="pt-PT" dirty="0" err="1" smtClean="0"/>
+              <a:t>tasks</a:t>
+            </a:r>
+            <a:r>
+              <a:rPr lang="pt-PT" dirty="0" smtClean="0"/>
+              <a:t> </a:t>
+            </a:r>
+            <a:r>
+              <a:rPr lang="pt-PT" dirty="0" err="1" smtClean="0"/>
+              <a:t>given</a:t>
+            </a:r>
+            <a:endParaRPr lang="pt-PT" dirty="0" smtClean="0"/>
+          </a:p>
+          <a:p>
+            <a:r>
+              <a:rPr lang="pt-PT" dirty="0" err="1" smtClean="0"/>
+              <a:t>Interested</a:t>
+            </a:r>
+            <a:r>
+              <a:rPr lang="pt-PT" dirty="0" smtClean="0"/>
+              <a:t> in </a:t>
+            </a:r>
+            <a:r>
+              <a:rPr lang="pt-PT" dirty="0" err="1" smtClean="0"/>
+              <a:t>the</a:t>
+            </a:r>
+            <a:r>
+              <a:rPr lang="pt-PT" dirty="0" smtClean="0"/>
+              <a:t> </a:t>
+            </a:r>
+            <a:r>
+              <a:rPr lang="pt-PT" dirty="0" err="1" smtClean="0"/>
+              <a:t>project</a:t>
+            </a:r>
+            <a:endParaRPr lang="pt-PT" dirty="0" smtClean="0"/>
+          </a:p>
+          <a:p>
+            <a:endParaRPr lang="pt-PT" dirty="0" smtClean="0"/>
+          </a:p>
+          <a:p>
+            <a:r>
+              <a:rPr lang="pt-PT" dirty="0" err="1"/>
+              <a:t>Contributions</a:t>
+            </a:r>
+            <a:endParaRPr lang="pt-PT" dirty="0"/>
+          </a:p>
+          <a:p>
+            <a:pPr lvl="1"/>
+            <a:r>
+              <a:rPr lang="pt-PT" dirty="0" err="1"/>
+              <a:t>Update</a:t>
+            </a:r>
+            <a:r>
+              <a:rPr lang="pt-PT" dirty="0"/>
+              <a:t> </a:t>
+            </a:r>
+            <a:r>
+              <a:rPr lang="pt-PT" dirty="0" err="1"/>
+              <a:t>the</a:t>
+            </a:r>
+            <a:r>
+              <a:rPr lang="pt-PT" dirty="0"/>
+              <a:t> </a:t>
+            </a:r>
+            <a:r>
+              <a:rPr lang="pt-PT" dirty="0" err="1"/>
+              <a:t>repository</a:t>
+            </a:r>
+            <a:endParaRPr lang="pt-PT" dirty="0"/>
+          </a:p>
+          <a:p>
+            <a:pPr lvl="1"/>
+            <a:r>
+              <a:rPr lang="pt-PT" dirty="0" err="1"/>
+              <a:t>Writing</a:t>
+            </a:r>
+            <a:r>
+              <a:rPr lang="pt-PT" dirty="0"/>
+              <a:t> some processes</a:t>
+            </a:r>
+          </a:p>
+          <a:p>
+            <a:pPr lvl="1"/>
+            <a:r>
+              <a:rPr lang="pt-PT" dirty="0"/>
+              <a:t>SRS </a:t>
+            </a:r>
+            <a:r>
+              <a:rPr lang="pt-PT" dirty="0" err="1"/>
+              <a:t>and</a:t>
+            </a:r>
+            <a:r>
+              <a:rPr lang="pt-PT" dirty="0"/>
+              <a:t> </a:t>
+            </a:r>
+            <a:r>
+              <a:rPr lang="pt-PT" dirty="0" err="1"/>
+              <a:t>Requirements</a:t>
+            </a:r>
+            <a:r>
+              <a:rPr lang="pt-PT" dirty="0"/>
+              <a:t> </a:t>
+            </a:r>
+            <a:r>
+              <a:rPr lang="pt-PT" dirty="0" err="1"/>
+              <a:t>Definition</a:t>
+            </a:r>
+            <a:endParaRPr lang="pt-PT" dirty="0"/>
+          </a:p>
+          <a:p>
+            <a:pPr lvl="1"/>
+            <a:r>
+              <a:rPr lang="pt-PT" dirty="0" err="1"/>
+              <a:t>Review</a:t>
+            </a:r>
+            <a:r>
+              <a:rPr lang="pt-PT" dirty="0"/>
+              <a:t> </a:t>
+            </a:r>
+            <a:r>
+              <a:rPr lang="pt-PT" dirty="0" err="1"/>
+              <a:t>and</a:t>
+            </a:r>
+            <a:r>
+              <a:rPr lang="pt-PT" dirty="0"/>
+              <a:t> </a:t>
+            </a:r>
+            <a:r>
+              <a:rPr lang="pt-PT" dirty="0" err="1"/>
+              <a:t>approval</a:t>
+            </a:r>
+            <a:r>
+              <a:rPr lang="pt-PT" dirty="0"/>
+              <a:t> </a:t>
+            </a:r>
+            <a:r>
+              <a:rPr lang="pt-PT" dirty="0" err="1"/>
+              <a:t>of</a:t>
+            </a:r>
+            <a:r>
+              <a:rPr lang="pt-PT" dirty="0"/>
+              <a:t> some </a:t>
+            </a:r>
+            <a:r>
+              <a:rPr lang="pt-PT" dirty="0" err="1"/>
+              <a:t>documents</a:t>
+            </a:r>
+            <a:endParaRPr lang="pt-PT" dirty="0"/>
+          </a:p>
+          <a:p>
+            <a:pPr lvl="1"/>
+            <a:r>
+              <a:rPr lang="pt-PT" dirty="0" err="1"/>
+              <a:t>Coding</a:t>
+            </a:r>
+            <a:r>
+              <a:rPr lang="pt-PT" dirty="0"/>
+              <a:t> some </a:t>
+            </a:r>
+            <a:r>
+              <a:rPr lang="pt-PT" dirty="0" err="1"/>
+              <a:t>features</a:t>
+            </a:r>
+            <a:endParaRPr lang="pt-PT" dirty="0"/>
+          </a:p>
+          <a:p>
+            <a:endParaRPr lang="pt-PT" dirty="0" smtClean="0"/>
+          </a:p>
+          <a:p>
+            <a:endParaRPr lang="pt-PT" dirty="0"/>
+          </a:p>
+        </p:txBody>
+      </p:sp>
+    </p:spTree>
+    <p:extLst>
+      <p:ext uri="{BB962C8B-B14F-4D97-AF65-F5344CB8AC3E}">
+        <p14:creationId xmlns:p14="http://schemas.microsoft.com/office/powerpoint/2010/main" val="1827553917"/>
+      </p:ext>
+    </p:extLst>
+  </p:cSld>
+  <p:clrMapOvr>
+    <a:masterClrMapping/>
+  </p:clrMapOvr>
+  <mc:AlternateContent xmlns:mc="http://schemas.openxmlformats.org/markup-compatibility/2006">
+    <mc:Choice xmlns:p14="http://schemas.microsoft.com/office/powerpoint/2010/main" Requires="p14">
+      <p:transition spd="med" p14:dur="700">
+        <p:fade/>
+      </p:transition>
+    </mc:Choice>
+    <mc:Fallback>
+      <p:transition spd="med">
+        <p:fade/>
+      </p:transition>
+    </mc:Fallback>
+  </mc:AlternateContent>
+</p:sld>
+</file>
+
+<file path=ppt/slides/slide8.xml><?xml version="1.0" encoding="utf-8"?>
+<p:sld xmlns:a="http://schemas.openxmlformats.org/drawingml/2006/main" xmlns:r="http://schemas.openxmlformats.org/officeDocument/2006/relationships" xmlns:p="http://schemas.openxmlformats.org/presentationml/2006/main">
+  <p:cSld>
+    <p:spTree>
+      <p:nvGrpSpPr>
+        <p:cNvPr id="1" name=""/>
+        <p:cNvGrpSpPr/>
+        <p:nvPr/>
+      </p:nvGrpSpPr>
+      <p:grpSpPr>
+        <a:xfrm>
+          <a:off x="0" y="0"/>
+          <a:ext cx="0" cy="0"/>
+          <a:chOff x="0" y="0"/>
+          <a:chExt cx="0" cy="0"/>
+        </a:xfrm>
+      </p:grpSpPr>
+      <p:sp>
+        <p:nvSpPr>
+          <p:cNvPr id="2" name="Título 1"/>
+          <p:cNvSpPr>
+            <a:spLocks noGrp="1"/>
+          </p:cNvSpPr>
+          <p:nvPr>
+            <p:ph type="title"/>
+          </p:nvPr>
+        </p:nvSpPr>
+        <p:spPr/>
+        <p:txBody>
+          <a:bodyPr/>
+          <a:lstStyle/>
+          <a:p>
+            <a:r>
               <a:rPr lang="pt-PT" dirty="0" smtClean="0"/>
               <a:t>Individual </a:t>
             </a:r>
@@ -5809,193 +5819,67 @@
           <a:lstStyle/>
           <a:p>
             <a:r>
-              <a:rPr lang="pt-PT" dirty="0" err="1" smtClean="0"/>
-              <a:t>Contributions</a:t>
-            </a:r>
-            <a:endParaRPr lang="pt-PT" dirty="0" smtClean="0"/>
+              <a:rPr lang="pt-PT" dirty="0" err="1"/>
+              <a:t>Lessons</a:t>
+            </a:r>
+            <a:r>
+              <a:rPr lang="pt-PT" dirty="0"/>
+              <a:t> </a:t>
+            </a:r>
+            <a:r>
+              <a:rPr lang="pt-PT" dirty="0" err="1"/>
+              <a:t>Learned</a:t>
+            </a:r>
+            <a:endParaRPr lang="pt-PT" dirty="0"/>
           </a:p>
           <a:p>
             <a:pPr lvl="1"/>
             <a:r>
-              <a:rPr lang="pt-PT" dirty="0" err="1" smtClean="0"/>
-              <a:t>Update</a:t>
-            </a:r>
-            <a:r>
-              <a:rPr lang="pt-PT" dirty="0" smtClean="0"/>
+              <a:rPr lang="pt-PT" dirty="0" err="1"/>
+              <a:t>Teamwork</a:t>
+            </a:r>
+            <a:r>
+              <a:rPr lang="pt-PT" dirty="0"/>
               <a:t> </a:t>
             </a:r>
             <a:r>
-              <a:rPr lang="pt-PT" dirty="0" err="1" smtClean="0"/>
+              <a:rPr lang="pt-PT" dirty="0" err="1"/>
+              <a:t>is</a:t>
+            </a:r>
+            <a:r>
+              <a:rPr lang="pt-PT" dirty="0"/>
+              <a:t> </a:t>
+            </a:r>
+            <a:r>
+              <a:rPr lang="pt-PT" dirty="0" err="1"/>
               <a:t>the</a:t>
             </a:r>
             <a:r>
-              <a:rPr lang="pt-PT" dirty="0" smtClean="0"/>
+              <a:rPr lang="pt-PT" dirty="0"/>
               <a:t> </a:t>
             </a:r>
             <a:r>
-              <a:rPr lang="pt-PT" dirty="0" err="1" smtClean="0"/>
-              <a:t>repository</a:t>
-            </a:r>
-            <a:endParaRPr lang="pt-PT" dirty="0" smtClean="0"/>
+              <a:rPr lang="pt-PT" dirty="0" err="1"/>
+              <a:t>key</a:t>
+            </a:r>
+            <a:r>
+              <a:rPr lang="pt-PT" dirty="0"/>
+              <a:t> to </a:t>
+            </a:r>
+            <a:r>
+              <a:rPr lang="pt-PT" dirty="0" err="1"/>
+              <a:t>sucess</a:t>
+            </a:r>
+            <a:endParaRPr lang="pt-PT" dirty="0"/>
           </a:p>
           <a:p>
             <a:pPr lvl="1"/>
             <a:r>
-              <a:rPr lang="pt-PT" dirty="0" err="1" smtClean="0"/>
-              <a:t>Writing</a:t>
-            </a:r>
-            <a:r>
-              <a:rPr lang="pt-PT" dirty="0" smtClean="0"/>
-              <a:t> some processes</a:t>
-            </a:r>
-          </a:p>
-          <a:p>
-            <a:pPr lvl="1"/>
-            <a:r>
-              <a:rPr lang="pt-PT" dirty="0" smtClean="0"/>
-              <a:t>SRS </a:t>
-            </a:r>
-            <a:r>
-              <a:rPr lang="pt-PT" dirty="0" err="1" smtClean="0"/>
-              <a:t>and</a:t>
-            </a:r>
-            <a:r>
-              <a:rPr lang="pt-PT" dirty="0" smtClean="0"/>
-              <a:t> </a:t>
-            </a:r>
-            <a:r>
-              <a:rPr lang="pt-PT" dirty="0" err="1" smtClean="0"/>
-              <a:t>Requirements</a:t>
-            </a:r>
-            <a:r>
-              <a:rPr lang="pt-PT" dirty="0" smtClean="0"/>
-              <a:t> </a:t>
-            </a:r>
-            <a:r>
-              <a:rPr lang="pt-PT" dirty="0" err="1" smtClean="0"/>
-              <a:t>Definition</a:t>
-            </a:r>
-            <a:endParaRPr lang="pt-PT" dirty="0" smtClean="0"/>
-          </a:p>
-          <a:p>
-            <a:pPr lvl="1"/>
-            <a:r>
-              <a:rPr lang="pt-PT" dirty="0" err="1" smtClean="0"/>
-              <a:t>Review</a:t>
-            </a:r>
-            <a:r>
-              <a:rPr lang="pt-PT" dirty="0" smtClean="0"/>
-              <a:t> </a:t>
-            </a:r>
-            <a:r>
-              <a:rPr lang="pt-PT" dirty="0" err="1" smtClean="0"/>
-              <a:t>and</a:t>
-            </a:r>
-            <a:r>
-              <a:rPr lang="pt-PT" dirty="0" smtClean="0"/>
-              <a:t> </a:t>
-            </a:r>
-            <a:r>
-              <a:rPr lang="pt-PT" dirty="0" err="1" smtClean="0"/>
-              <a:t>approval</a:t>
-            </a:r>
-            <a:r>
-              <a:rPr lang="pt-PT" dirty="0" smtClean="0"/>
-              <a:t> </a:t>
-            </a:r>
-            <a:r>
-              <a:rPr lang="pt-PT" dirty="0" err="1" smtClean="0"/>
-              <a:t>of</a:t>
-            </a:r>
-            <a:r>
-              <a:rPr lang="pt-PT" dirty="0" smtClean="0"/>
-              <a:t> some </a:t>
-            </a:r>
-            <a:r>
-              <a:rPr lang="pt-PT" dirty="0" err="1" smtClean="0"/>
-              <a:t>documents</a:t>
-            </a:r>
-            <a:endParaRPr lang="pt-PT" dirty="0" smtClean="0"/>
-          </a:p>
-          <a:p>
-            <a:pPr lvl="1"/>
-            <a:r>
-              <a:rPr lang="pt-PT" dirty="0" err="1" smtClean="0"/>
-              <a:t>Coding</a:t>
-            </a:r>
-            <a:r>
-              <a:rPr lang="pt-PT" dirty="0" smtClean="0"/>
-              <a:t> some </a:t>
-            </a:r>
-            <a:r>
-              <a:rPr lang="pt-PT" dirty="0" err="1" smtClean="0"/>
-              <a:t>features</a:t>
-            </a:r>
-            <a:endParaRPr lang="pt-PT" dirty="0" smtClean="0"/>
-          </a:p>
-          <a:p>
-            <a:r>
-              <a:rPr lang="pt-PT" dirty="0" err="1" smtClean="0"/>
-              <a:t>Lessons</a:t>
-            </a:r>
-            <a:r>
-              <a:rPr lang="pt-PT" dirty="0" smtClean="0"/>
-              <a:t> </a:t>
-            </a:r>
-            <a:r>
-              <a:rPr lang="pt-PT" dirty="0" err="1" smtClean="0"/>
-              <a:t>Learned</a:t>
-            </a:r>
-            <a:endParaRPr lang="pt-PT" dirty="0" smtClean="0"/>
-          </a:p>
-          <a:p>
-            <a:pPr lvl="1"/>
-            <a:r>
-              <a:rPr lang="pt-PT" dirty="0" err="1" smtClean="0"/>
-              <a:t>Teamwork</a:t>
-            </a:r>
-            <a:r>
-              <a:rPr lang="pt-PT" dirty="0" smtClean="0"/>
-              <a:t> </a:t>
-            </a:r>
-            <a:r>
-              <a:rPr lang="pt-PT" dirty="0" err="1" smtClean="0"/>
-              <a:t>is</a:t>
-            </a:r>
-            <a:r>
-              <a:rPr lang="pt-PT" dirty="0" smtClean="0"/>
-              <a:t> </a:t>
-            </a:r>
-            <a:r>
-              <a:rPr lang="pt-PT" dirty="0" err="1" smtClean="0"/>
-              <a:t>the</a:t>
-            </a:r>
-            <a:r>
-              <a:rPr lang="pt-PT" dirty="0" smtClean="0"/>
-              <a:t> </a:t>
-            </a:r>
-            <a:r>
-              <a:rPr lang="pt-PT" dirty="0" err="1" smtClean="0"/>
-              <a:t>key</a:t>
-            </a:r>
-            <a:r>
-              <a:rPr lang="pt-PT" dirty="0" smtClean="0"/>
-              <a:t> to </a:t>
-            </a:r>
-            <a:r>
-              <a:rPr lang="pt-PT" dirty="0" err="1" smtClean="0"/>
-              <a:t>sucess</a:t>
-            </a:r>
-            <a:endParaRPr lang="pt-PT" dirty="0" smtClean="0"/>
-          </a:p>
-          <a:p>
-            <a:pPr lvl="1"/>
-            <a:r>
-              <a:rPr lang="pt-PT" dirty="0" err="1" smtClean="0"/>
+              <a:rPr lang="pt-PT" dirty="0" err="1"/>
               <a:t>The</a:t>
             </a:r>
             <a:r>
-              <a:rPr lang="pt-PT" dirty="0" smtClean="0"/>
+              <a:rPr lang="pt-PT" dirty="0"/>
               <a:t> </a:t>
             </a:r>
             <a:r>
@@ -6007,55 +5891,55 @@
               <a:t> </a:t>
             </a:r>
             <a:r>
-              <a:rPr lang="pt-PT" dirty="0" err="1" smtClean="0"/>
+              <a:rPr lang="pt-PT" dirty="0" err="1"/>
               <a:t>of</a:t>
             </a:r>
             <a:r>
-              <a:rPr lang="pt-PT" dirty="0" smtClean="0"/>
+              <a:rPr lang="pt-PT" dirty="0"/>
               <a:t> </a:t>
             </a:r>
             <a:r>
-              <a:rPr lang="pt-PT" dirty="0" err="1" smtClean="0"/>
+              <a:rPr lang="pt-PT" dirty="0" err="1"/>
               <a:t>the</a:t>
             </a:r>
             <a:r>
-              <a:rPr lang="pt-PT" dirty="0" smtClean="0"/>
+              <a:rPr lang="pt-PT" dirty="0"/>
               <a:t> </a:t>
             </a:r>
             <a:r>
-              <a:rPr lang="pt-PT" dirty="0" err="1" smtClean="0"/>
+              <a:rPr lang="pt-PT" dirty="0" err="1"/>
               <a:t>application</a:t>
             </a:r>
             <a:r>
-              <a:rPr lang="pt-PT" dirty="0" smtClean="0"/>
+              <a:rPr lang="pt-PT" dirty="0"/>
               <a:t> </a:t>
             </a:r>
             <a:r>
-              <a:rPr lang="pt-PT" dirty="0" err="1" smtClean="0"/>
+              <a:rPr lang="pt-PT" dirty="0" err="1"/>
               <a:t>should</a:t>
             </a:r>
             <a:r>
-              <a:rPr lang="pt-PT" dirty="0" smtClean="0"/>
+              <a:rPr lang="pt-PT" dirty="0"/>
               <a:t> </a:t>
             </a:r>
             <a:r>
-              <a:rPr lang="pt-PT" dirty="0" err="1" smtClean="0"/>
+              <a:rPr lang="pt-PT" dirty="0" err="1"/>
               <a:t>be</a:t>
             </a:r>
             <a:r>
-              <a:rPr lang="pt-PT" dirty="0" smtClean="0"/>
+              <a:rPr lang="pt-PT" dirty="0"/>
               <a:t> </a:t>
             </a:r>
             <a:r>
-              <a:rPr lang="pt-PT" dirty="0" err="1" smtClean="0"/>
+              <a:rPr lang="pt-PT" dirty="0" err="1"/>
               <a:t>well</a:t>
             </a:r>
             <a:r>
-              <a:rPr lang="pt-PT" dirty="0" smtClean="0"/>
+              <a:rPr lang="pt-PT" dirty="0"/>
               <a:t> </a:t>
             </a:r>
             <a:r>
-              <a:rPr lang="pt-PT" dirty="0" err="1" smtClean="0"/>
+              <a:rPr lang="pt-PT" dirty="0" err="1"/>
               <a:t>planned</a:t>
             </a:r>
             <a:endParaRPr lang="pt-PT" dirty="0"/>
@@ -6084,10 +5968,17 @@
       </p:transition>
     </mc:Fallback>
   </mc:AlternateContent>
+  <p:timing>
+    <p:tnLst>
+      <p:par>
+        <p:cTn id="1" dur="indefinite" restart="never" nodeType="tmRoot"/>
+      </p:par>
+    </p:tnLst>
+  </p:timing>
 </p:sld>
 </file>
 
-<file path=ppt/slides/slide8.xml><?xml version="1.0" encoding="utf-8"?>
+<file path=ppt/slides/slide9.xml><?xml version="1.0" encoding="utf-8"?>
 <p:sld xmlns:a="http://schemas.openxmlformats.org/drawingml/2006/main" xmlns:r="http://schemas.openxmlformats.org/officeDocument/2006/relationships" xmlns:p="http://schemas.openxmlformats.org/presentationml/2006/main">
   <p:cSld>
     <p:spTree>
